--- a/ppt 16-9/0468.要把福音传.pptx
+++ b/ppt 16-9/0468.要把福音传.pptx
@@ -5,7 +5,7 @@
     <p:sldMasterId id="2147483648" r:id="rId1"/>
   </p:sldMasterIdLst>
   <p:sldIdLst>
-    <p:sldId id="2967" r:id="rId2"/>
+    <p:sldId id="2969" r:id="rId2"/>
   </p:sldIdLst>
   <p:sldSz cx="12192000" cy="6858000"/>
   <p:notesSz cx="6858000" cy="9144000"/>
@@ -129,7 +129,7 @@
           <p:cNvPr id="2" name="标题 1">
             <a:extLst>
               <a:ext uri="{FF2B5EF4-FFF2-40B4-BE49-F238E27FC236}">
-                <a16:creationId xmlns:a16="http://schemas.microsoft.com/office/drawing/2014/main" id="{5B2468C9-1B39-93EA-8608-A844080B698B}"/>
+                <a16:creationId xmlns:a16="http://schemas.microsoft.com/office/drawing/2014/main" id="{6508DA41-FF71-8036-3B13-D5ACED0FA05A}"/>
               </a:ext>
             </a:extLst>
           </p:cNvPr>
@@ -166,7 +166,7 @@
           <p:cNvPr id="3" name="副标题 2">
             <a:extLst>
               <a:ext uri="{FF2B5EF4-FFF2-40B4-BE49-F238E27FC236}">
-                <a16:creationId xmlns:a16="http://schemas.microsoft.com/office/drawing/2014/main" id="{ED826431-FCF3-BB20-7FA6-747C97E73ABA}"/>
+                <a16:creationId xmlns:a16="http://schemas.microsoft.com/office/drawing/2014/main" id="{F0D53E22-EBCD-E485-F38D-124BB2201A5E}"/>
               </a:ext>
             </a:extLst>
           </p:cNvPr>
@@ -236,7 +236,7 @@
           <p:cNvPr id="4" name="日期占位符 3">
             <a:extLst>
               <a:ext uri="{FF2B5EF4-FFF2-40B4-BE49-F238E27FC236}">
-                <a16:creationId xmlns:a16="http://schemas.microsoft.com/office/drawing/2014/main" id="{8579D56D-BD3F-7759-49F2-252EDB46E226}"/>
+                <a16:creationId xmlns:a16="http://schemas.microsoft.com/office/drawing/2014/main" id="{167C4F9A-0260-01CC-8EC3-0B0780158A4E}"/>
               </a:ext>
             </a:extLst>
           </p:cNvPr>
@@ -252,7 +252,7 @@
           <a:bodyPr/>
           <a:lstStyle/>
           <a:p>
-            <a:fld id="{939C3D72-AAD6-4FA3-8549-ECE709FFF8D9}" type="datetimeFigureOut">
+            <a:fld id="{EAFD470B-3015-43BE-9DD1-0665EA69760E}" type="datetimeFigureOut">
               <a:rPr lang="zh-CN" altLang="en-US" smtClean="0"/>
               <a:t>2024/3/10</a:t>
             </a:fld>
@@ -265,7 +265,7 @@
           <p:cNvPr id="5" name="页脚占位符 4">
             <a:extLst>
               <a:ext uri="{FF2B5EF4-FFF2-40B4-BE49-F238E27FC236}">
-                <a16:creationId xmlns:a16="http://schemas.microsoft.com/office/drawing/2014/main" id="{7184159C-B973-232B-EA5F-E9D6999C4B26}"/>
+                <a16:creationId xmlns:a16="http://schemas.microsoft.com/office/drawing/2014/main" id="{883DF7B1-EC76-8905-BD72-F8551EF96534}"/>
               </a:ext>
             </a:extLst>
           </p:cNvPr>
@@ -290,7 +290,7 @@
           <p:cNvPr id="6" name="灯片编号占位符 5">
             <a:extLst>
               <a:ext uri="{FF2B5EF4-FFF2-40B4-BE49-F238E27FC236}">
-                <a16:creationId xmlns:a16="http://schemas.microsoft.com/office/drawing/2014/main" id="{CDB8D938-838E-7AFF-468A-6E9D20F87065}"/>
+                <a16:creationId xmlns:a16="http://schemas.microsoft.com/office/drawing/2014/main" id="{2D5FFAEC-36F5-E57E-70FA-FBA7B449A5C4}"/>
               </a:ext>
             </a:extLst>
           </p:cNvPr>
@@ -306,7 +306,7 @@
           <a:bodyPr/>
           <a:lstStyle/>
           <a:p>
-            <a:fld id="{99953F66-7707-4D6B-A23F-963BF6C5020D}" type="slidenum">
+            <a:fld id="{E5DA9719-99B5-4A0D-A324-37A56230DEAB}" type="slidenum">
               <a:rPr lang="zh-CN" altLang="en-US" smtClean="0"/>
               <a:t>‹#›</a:t>
             </a:fld>
@@ -317,7 +317,7 @@
     </p:spTree>
     <p:extLst>
       <p:ext uri="{BB962C8B-B14F-4D97-AF65-F5344CB8AC3E}">
-        <p14:creationId xmlns:p14="http://schemas.microsoft.com/office/powerpoint/2010/main" val="64840583"/>
+        <p14:creationId xmlns:p14="http://schemas.microsoft.com/office/powerpoint/2010/main" val="192789677"/>
       </p:ext>
     </p:extLst>
   </p:cSld>
@@ -349,7 +349,7 @@
           <p:cNvPr id="2" name="标题 1">
             <a:extLst>
               <a:ext uri="{FF2B5EF4-FFF2-40B4-BE49-F238E27FC236}">
-                <a16:creationId xmlns:a16="http://schemas.microsoft.com/office/drawing/2014/main" id="{5103AE6A-430A-E56F-46F3-1B1608B8551D}"/>
+                <a16:creationId xmlns:a16="http://schemas.microsoft.com/office/drawing/2014/main" id="{847E1C21-F438-5E24-C1C1-C4CE6F21C7D6}"/>
               </a:ext>
             </a:extLst>
           </p:cNvPr>
@@ -377,7 +377,7 @@
           <p:cNvPr id="3" name="竖排文字占位符 2">
             <a:extLst>
               <a:ext uri="{FF2B5EF4-FFF2-40B4-BE49-F238E27FC236}">
-                <a16:creationId xmlns:a16="http://schemas.microsoft.com/office/drawing/2014/main" id="{EB38262A-37C5-E1FE-49A8-719CD6B47FE2}"/>
+                <a16:creationId xmlns:a16="http://schemas.microsoft.com/office/drawing/2014/main" id="{AE9D7CA3-4620-C582-DA6E-88F13E8F2589}"/>
               </a:ext>
             </a:extLst>
           </p:cNvPr>
@@ -434,7 +434,7 @@
           <p:cNvPr id="4" name="日期占位符 3">
             <a:extLst>
               <a:ext uri="{FF2B5EF4-FFF2-40B4-BE49-F238E27FC236}">
-                <a16:creationId xmlns:a16="http://schemas.microsoft.com/office/drawing/2014/main" id="{4D201565-86B5-C7CB-909E-2B2EB8F1DB32}"/>
+                <a16:creationId xmlns:a16="http://schemas.microsoft.com/office/drawing/2014/main" id="{89CDAB5D-635F-5BD8-CC16-AF85E26B5F42}"/>
               </a:ext>
             </a:extLst>
           </p:cNvPr>
@@ -450,7 +450,7 @@
           <a:bodyPr/>
           <a:lstStyle/>
           <a:p>
-            <a:fld id="{939C3D72-AAD6-4FA3-8549-ECE709FFF8D9}" type="datetimeFigureOut">
+            <a:fld id="{EAFD470B-3015-43BE-9DD1-0665EA69760E}" type="datetimeFigureOut">
               <a:rPr lang="zh-CN" altLang="en-US" smtClean="0"/>
               <a:t>2024/3/10</a:t>
             </a:fld>
@@ -463,7 +463,7 @@
           <p:cNvPr id="5" name="页脚占位符 4">
             <a:extLst>
               <a:ext uri="{FF2B5EF4-FFF2-40B4-BE49-F238E27FC236}">
-                <a16:creationId xmlns:a16="http://schemas.microsoft.com/office/drawing/2014/main" id="{9F825E01-CD34-F5A9-EE1F-7D78C282AAC0}"/>
+                <a16:creationId xmlns:a16="http://schemas.microsoft.com/office/drawing/2014/main" id="{DB910C0A-C977-9581-3271-88332218EDDF}"/>
               </a:ext>
             </a:extLst>
           </p:cNvPr>
@@ -488,7 +488,7 @@
           <p:cNvPr id="6" name="灯片编号占位符 5">
             <a:extLst>
               <a:ext uri="{FF2B5EF4-FFF2-40B4-BE49-F238E27FC236}">
-                <a16:creationId xmlns:a16="http://schemas.microsoft.com/office/drawing/2014/main" id="{C5994D2D-3B53-4A86-D27A-782199D2B797}"/>
+                <a16:creationId xmlns:a16="http://schemas.microsoft.com/office/drawing/2014/main" id="{406AADBF-2AE0-0F0C-835B-2CBEA8752408}"/>
               </a:ext>
             </a:extLst>
           </p:cNvPr>
@@ -504,7 +504,7 @@
           <a:bodyPr/>
           <a:lstStyle/>
           <a:p>
-            <a:fld id="{99953F66-7707-4D6B-A23F-963BF6C5020D}" type="slidenum">
+            <a:fld id="{E5DA9719-99B5-4A0D-A324-37A56230DEAB}" type="slidenum">
               <a:rPr lang="zh-CN" altLang="en-US" smtClean="0"/>
               <a:t>‹#›</a:t>
             </a:fld>
@@ -515,7 +515,7 @@
     </p:spTree>
     <p:extLst>
       <p:ext uri="{BB962C8B-B14F-4D97-AF65-F5344CB8AC3E}">
-        <p14:creationId xmlns:p14="http://schemas.microsoft.com/office/powerpoint/2010/main" val="2369080143"/>
+        <p14:creationId xmlns:p14="http://schemas.microsoft.com/office/powerpoint/2010/main" val="3265493347"/>
       </p:ext>
     </p:extLst>
   </p:cSld>
@@ -547,7 +547,7 @@
           <p:cNvPr id="2" name="竖排标题 1">
             <a:extLst>
               <a:ext uri="{FF2B5EF4-FFF2-40B4-BE49-F238E27FC236}">
-                <a16:creationId xmlns:a16="http://schemas.microsoft.com/office/drawing/2014/main" id="{4D4BD871-5B5C-0C59-BF42-419257D117AC}"/>
+                <a16:creationId xmlns:a16="http://schemas.microsoft.com/office/drawing/2014/main" id="{B5701F1C-ABB4-650F-5F16-6B648D43F155}"/>
               </a:ext>
             </a:extLst>
           </p:cNvPr>
@@ -580,7 +580,7 @@
           <p:cNvPr id="3" name="竖排文字占位符 2">
             <a:extLst>
               <a:ext uri="{FF2B5EF4-FFF2-40B4-BE49-F238E27FC236}">
-                <a16:creationId xmlns:a16="http://schemas.microsoft.com/office/drawing/2014/main" id="{ED110DAC-10B4-BB8D-CA22-977AF6CC08EF}"/>
+                <a16:creationId xmlns:a16="http://schemas.microsoft.com/office/drawing/2014/main" id="{77061637-6E9D-3ED3-6663-02AC406A7461}"/>
               </a:ext>
             </a:extLst>
           </p:cNvPr>
@@ -642,7 +642,7 @@
           <p:cNvPr id="4" name="日期占位符 3">
             <a:extLst>
               <a:ext uri="{FF2B5EF4-FFF2-40B4-BE49-F238E27FC236}">
-                <a16:creationId xmlns:a16="http://schemas.microsoft.com/office/drawing/2014/main" id="{008C96D1-AFC8-F669-D705-6A1F69B273AB}"/>
+                <a16:creationId xmlns:a16="http://schemas.microsoft.com/office/drawing/2014/main" id="{396C5874-0E03-55A4-0E2A-01E8026EBCDD}"/>
               </a:ext>
             </a:extLst>
           </p:cNvPr>
@@ -658,7 +658,7 @@
           <a:bodyPr/>
           <a:lstStyle/>
           <a:p>
-            <a:fld id="{939C3D72-AAD6-4FA3-8549-ECE709FFF8D9}" type="datetimeFigureOut">
+            <a:fld id="{EAFD470B-3015-43BE-9DD1-0665EA69760E}" type="datetimeFigureOut">
               <a:rPr lang="zh-CN" altLang="en-US" smtClean="0"/>
               <a:t>2024/3/10</a:t>
             </a:fld>
@@ -671,7 +671,7 @@
           <p:cNvPr id="5" name="页脚占位符 4">
             <a:extLst>
               <a:ext uri="{FF2B5EF4-FFF2-40B4-BE49-F238E27FC236}">
-                <a16:creationId xmlns:a16="http://schemas.microsoft.com/office/drawing/2014/main" id="{1FE3C099-D9B7-C698-EBD3-1C7BC6EFDD14}"/>
+                <a16:creationId xmlns:a16="http://schemas.microsoft.com/office/drawing/2014/main" id="{AA75D37B-FF67-456E-518B-1577B023CD31}"/>
               </a:ext>
             </a:extLst>
           </p:cNvPr>
@@ -696,7 +696,7 @@
           <p:cNvPr id="6" name="灯片编号占位符 5">
             <a:extLst>
               <a:ext uri="{FF2B5EF4-FFF2-40B4-BE49-F238E27FC236}">
-                <a16:creationId xmlns:a16="http://schemas.microsoft.com/office/drawing/2014/main" id="{58151B30-4A96-9CC3-508D-A38DDC9524E1}"/>
+                <a16:creationId xmlns:a16="http://schemas.microsoft.com/office/drawing/2014/main" id="{215FC06D-B562-1F97-68A2-8F4F27F87AA6}"/>
               </a:ext>
             </a:extLst>
           </p:cNvPr>
@@ -712,7 +712,7 @@
           <a:bodyPr/>
           <a:lstStyle/>
           <a:p>
-            <a:fld id="{99953F66-7707-4D6B-A23F-963BF6C5020D}" type="slidenum">
+            <a:fld id="{E5DA9719-99B5-4A0D-A324-37A56230DEAB}" type="slidenum">
               <a:rPr lang="zh-CN" altLang="en-US" smtClean="0"/>
               <a:t>‹#›</a:t>
             </a:fld>
@@ -723,7 +723,7 @@
     </p:spTree>
     <p:extLst>
       <p:ext uri="{BB962C8B-B14F-4D97-AF65-F5344CB8AC3E}">
-        <p14:creationId xmlns:p14="http://schemas.microsoft.com/office/powerpoint/2010/main" val="3769368068"/>
+        <p14:creationId xmlns:p14="http://schemas.microsoft.com/office/powerpoint/2010/main" val="97279649"/>
       </p:ext>
     </p:extLst>
   </p:cSld>
@@ -755,7 +755,7 @@
           <p:cNvPr id="2" name="标题 1">
             <a:extLst>
               <a:ext uri="{FF2B5EF4-FFF2-40B4-BE49-F238E27FC236}">
-                <a16:creationId xmlns:a16="http://schemas.microsoft.com/office/drawing/2014/main" id="{E7F20B4C-DC6C-CB30-D895-7B9A9FFF5191}"/>
+                <a16:creationId xmlns:a16="http://schemas.microsoft.com/office/drawing/2014/main" id="{98321C9B-02C6-D8AA-18F7-B59C896C8620}"/>
               </a:ext>
             </a:extLst>
           </p:cNvPr>
@@ -783,7 +783,7 @@
           <p:cNvPr id="3" name="内容占位符 2">
             <a:extLst>
               <a:ext uri="{FF2B5EF4-FFF2-40B4-BE49-F238E27FC236}">
-                <a16:creationId xmlns:a16="http://schemas.microsoft.com/office/drawing/2014/main" id="{4A355D1B-6C1E-E710-0DC7-14C1880591CB}"/>
+                <a16:creationId xmlns:a16="http://schemas.microsoft.com/office/drawing/2014/main" id="{38DB1FA3-B0D8-C9EA-61E0-0F591A52E0F6}"/>
               </a:ext>
             </a:extLst>
           </p:cNvPr>
@@ -840,7 +840,7 @@
           <p:cNvPr id="4" name="日期占位符 3">
             <a:extLst>
               <a:ext uri="{FF2B5EF4-FFF2-40B4-BE49-F238E27FC236}">
-                <a16:creationId xmlns:a16="http://schemas.microsoft.com/office/drawing/2014/main" id="{A0DD933F-4153-4E28-D42B-381F24B4B239}"/>
+                <a16:creationId xmlns:a16="http://schemas.microsoft.com/office/drawing/2014/main" id="{F4CD9BA5-1A95-1B8C-C5FD-FB9E8940327F}"/>
               </a:ext>
             </a:extLst>
           </p:cNvPr>
@@ -856,7 +856,7 @@
           <a:bodyPr/>
           <a:lstStyle/>
           <a:p>
-            <a:fld id="{939C3D72-AAD6-4FA3-8549-ECE709FFF8D9}" type="datetimeFigureOut">
+            <a:fld id="{EAFD470B-3015-43BE-9DD1-0665EA69760E}" type="datetimeFigureOut">
               <a:rPr lang="zh-CN" altLang="en-US" smtClean="0"/>
               <a:t>2024/3/10</a:t>
             </a:fld>
@@ -869,7 +869,7 @@
           <p:cNvPr id="5" name="页脚占位符 4">
             <a:extLst>
               <a:ext uri="{FF2B5EF4-FFF2-40B4-BE49-F238E27FC236}">
-                <a16:creationId xmlns:a16="http://schemas.microsoft.com/office/drawing/2014/main" id="{14310DA1-FED1-58AF-89F9-74379420DF4F}"/>
+                <a16:creationId xmlns:a16="http://schemas.microsoft.com/office/drawing/2014/main" id="{DB114933-EE79-C13C-38DD-B7523DC8D100}"/>
               </a:ext>
             </a:extLst>
           </p:cNvPr>
@@ -894,7 +894,7 @@
           <p:cNvPr id="6" name="灯片编号占位符 5">
             <a:extLst>
               <a:ext uri="{FF2B5EF4-FFF2-40B4-BE49-F238E27FC236}">
-                <a16:creationId xmlns:a16="http://schemas.microsoft.com/office/drawing/2014/main" id="{3854E0B3-61F7-482F-0531-49CE54187CA8}"/>
+                <a16:creationId xmlns:a16="http://schemas.microsoft.com/office/drawing/2014/main" id="{ECE5792E-C971-DD64-C5DE-57E9739A38B1}"/>
               </a:ext>
             </a:extLst>
           </p:cNvPr>
@@ -910,7 +910,7 @@
           <a:bodyPr/>
           <a:lstStyle/>
           <a:p>
-            <a:fld id="{99953F66-7707-4D6B-A23F-963BF6C5020D}" type="slidenum">
+            <a:fld id="{E5DA9719-99B5-4A0D-A324-37A56230DEAB}" type="slidenum">
               <a:rPr lang="zh-CN" altLang="en-US" smtClean="0"/>
               <a:t>‹#›</a:t>
             </a:fld>
@@ -921,7 +921,7 @@
     </p:spTree>
     <p:extLst>
       <p:ext uri="{BB962C8B-B14F-4D97-AF65-F5344CB8AC3E}">
-        <p14:creationId xmlns:p14="http://schemas.microsoft.com/office/powerpoint/2010/main" val="3294078765"/>
+        <p14:creationId xmlns:p14="http://schemas.microsoft.com/office/powerpoint/2010/main" val="3130197446"/>
       </p:ext>
     </p:extLst>
   </p:cSld>
@@ -953,7 +953,7 @@
           <p:cNvPr id="2" name="标题 1">
             <a:extLst>
               <a:ext uri="{FF2B5EF4-FFF2-40B4-BE49-F238E27FC236}">
-                <a16:creationId xmlns:a16="http://schemas.microsoft.com/office/drawing/2014/main" id="{9CDE1E48-EE74-DC7D-B15B-45F5480007C3}"/>
+                <a16:creationId xmlns:a16="http://schemas.microsoft.com/office/drawing/2014/main" id="{0877DC39-3B06-36F2-D7CA-5AE8A4A0FEC5}"/>
               </a:ext>
             </a:extLst>
           </p:cNvPr>
@@ -990,7 +990,7 @@
           <p:cNvPr id="3" name="文本占位符 2">
             <a:extLst>
               <a:ext uri="{FF2B5EF4-FFF2-40B4-BE49-F238E27FC236}">
-                <a16:creationId xmlns:a16="http://schemas.microsoft.com/office/drawing/2014/main" id="{523293B1-E37A-508D-F5A5-D5F86FD20FF0}"/>
+                <a16:creationId xmlns:a16="http://schemas.microsoft.com/office/drawing/2014/main" id="{F410AC04-58F7-7AF0-FC8E-65E7A64C3021}"/>
               </a:ext>
             </a:extLst>
           </p:cNvPr>
@@ -1115,7 +1115,7 @@
           <p:cNvPr id="4" name="日期占位符 3">
             <a:extLst>
               <a:ext uri="{FF2B5EF4-FFF2-40B4-BE49-F238E27FC236}">
-                <a16:creationId xmlns:a16="http://schemas.microsoft.com/office/drawing/2014/main" id="{E1A6EB34-065C-2928-8642-A2C9C98366D9}"/>
+                <a16:creationId xmlns:a16="http://schemas.microsoft.com/office/drawing/2014/main" id="{9C360739-2B29-FF56-0E29-DD4ED520A992}"/>
               </a:ext>
             </a:extLst>
           </p:cNvPr>
@@ -1131,7 +1131,7 @@
           <a:bodyPr/>
           <a:lstStyle/>
           <a:p>
-            <a:fld id="{939C3D72-AAD6-4FA3-8549-ECE709FFF8D9}" type="datetimeFigureOut">
+            <a:fld id="{EAFD470B-3015-43BE-9DD1-0665EA69760E}" type="datetimeFigureOut">
               <a:rPr lang="zh-CN" altLang="en-US" smtClean="0"/>
               <a:t>2024/3/10</a:t>
             </a:fld>
@@ -1144,7 +1144,7 @@
           <p:cNvPr id="5" name="页脚占位符 4">
             <a:extLst>
               <a:ext uri="{FF2B5EF4-FFF2-40B4-BE49-F238E27FC236}">
-                <a16:creationId xmlns:a16="http://schemas.microsoft.com/office/drawing/2014/main" id="{360FAB7D-C2B5-6BEC-6653-C8ECE73850B2}"/>
+                <a16:creationId xmlns:a16="http://schemas.microsoft.com/office/drawing/2014/main" id="{51F79B69-F913-4A44-3614-5CA7F5AB85D3}"/>
               </a:ext>
             </a:extLst>
           </p:cNvPr>
@@ -1169,7 +1169,7 @@
           <p:cNvPr id="6" name="灯片编号占位符 5">
             <a:extLst>
               <a:ext uri="{FF2B5EF4-FFF2-40B4-BE49-F238E27FC236}">
-                <a16:creationId xmlns:a16="http://schemas.microsoft.com/office/drawing/2014/main" id="{A503045D-4868-3F9F-810D-E44B835CEDB0}"/>
+                <a16:creationId xmlns:a16="http://schemas.microsoft.com/office/drawing/2014/main" id="{9387D73B-B645-34F6-5CB2-A4AEA3902C7B}"/>
               </a:ext>
             </a:extLst>
           </p:cNvPr>
@@ -1185,7 +1185,7 @@
           <a:bodyPr/>
           <a:lstStyle/>
           <a:p>
-            <a:fld id="{99953F66-7707-4D6B-A23F-963BF6C5020D}" type="slidenum">
+            <a:fld id="{E5DA9719-99B5-4A0D-A324-37A56230DEAB}" type="slidenum">
               <a:rPr lang="zh-CN" altLang="en-US" smtClean="0"/>
               <a:t>‹#›</a:t>
             </a:fld>
@@ -1196,7 +1196,7 @@
     </p:spTree>
     <p:extLst>
       <p:ext uri="{BB962C8B-B14F-4D97-AF65-F5344CB8AC3E}">
-        <p14:creationId xmlns:p14="http://schemas.microsoft.com/office/powerpoint/2010/main" val="116995576"/>
+        <p14:creationId xmlns:p14="http://schemas.microsoft.com/office/powerpoint/2010/main" val="1340617803"/>
       </p:ext>
     </p:extLst>
   </p:cSld>
@@ -1228,7 +1228,7 @@
           <p:cNvPr id="2" name="标题 1">
             <a:extLst>
               <a:ext uri="{FF2B5EF4-FFF2-40B4-BE49-F238E27FC236}">
-                <a16:creationId xmlns:a16="http://schemas.microsoft.com/office/drawing/2014/main" id="{AFA8C40A-BF09-7759-7369-4D4FA5A04ED0}"/>
+                <a16:creationId xmlns:a16="http://schemas.microsoft.com/office/drawing/2014/main" id="{3CEB9430-827B-277D-1F51-B586EA81874C}"/>
               </a:ext>
             </a:extLst>
           </p:cNvPr>
@@ -1256,7 +1256,7 @@
           <p:cNvPr id="3" name="内容占位符 2">
             <a:extLst>
               <a:ext uri="{FF2B5EF4-FFF2-40B4-BE49-F238E27FC236}">
-                <a16:creationId xmlns:a16="http://schemas.microsoft.com/office/drawing/2014/main" id="{FB0A4B73-B5B8-59DD-A7C5-D108E6439EAE}"/>
+                <a16:creationId xmlns:a16="http://schemas.microsoft.com/office/drawing/2014/main" id="{B1EB7E37-57AB-72C6-A7C2-2A3A4B0B0EF9}"/>
               </a:ext>
             </a:extLst>
           </p:cNvPr>
@@ -1318,7 +1318,7 @@
           <p:cNvPr id="4" name="内容占位符 3">
             <a:extLst>
               <a:ext uri="{FF2B5EF4-FFF2-40B4-BE49-F238E27FC236}">
-                <a16:creationId xmlns:a16="http://schemas.microsoft.com/office/drawing/2014/main" id="{560CADED-45A1-9922-06C8-E67736F57410}"/>
+                <a16:creationId xmlns:a16="http://schemas.microsoft.com/office/drawing/2014/main" id="{00C92200-DA4D-1272-5714-57A800107CCA}"/>
               </a:ext>
             </a:extLst>
           </p:cNvPr>
@@ -1380,7 +1380,7 @@
           <p:cNvPr id="5" name="日期占位符 4">
             <a:extLst>
               <a:ext uri="{FF2B5EF4-FFF2-40B4-BE49-F238E27FC236}">
-                <a16:creationId xmlns:a16="http://schemas.microsoft.com/office/drawing/2014/main" id="{BB246DEB-EC56-FF88-D2D5-DE5EAE86DD65}"/>
+                <a16:creationId xmlns:a16="http://schemas.microsoft.com/office/drawing/2014/main" id="{FAADD515-A899-23A5-685E-025D7BA1CF9F}"/>
               </a:ext>
             </a:extLst>
           </p:cNvPr>
@@ -1396,7 +1396,7 @@
           <a:bodyPr/>
           <a:lstStyle/>
           <a:p>
-            <a:fld id="{939C3D72-AAD6-4FA3-8549-ECE709FFF8D9}" type="datetimeFigureOut">
+            <a:fld id="{EAFD470B-3015-43BE-9DD1-0665EA69760E}" type="datetimeFigureOut">
               <a:rPr lang="zh-CN" altLang="en-US" smtClean="0"/>
               <a:t>2024/3/10</a:t>
             </a:fld>
@@ -1409,7 +1409,7 @@
           <p:cNvPr id="6" name="页脚占位符 5">
             <a:extLst>
               <a:ext uri="{FF2B5EF4-FFF2-40B4-BE49-F238E27FC236}">
-                <a16:creationId xmlns:a16="http://schemas.microsoft.com/office/drawing/2014/main" id="{90BE7B0C-BE96-9254-1D8B-A84003CA1198}"/>
+                <a16:creationId xmlns:a16="http://schemas.microsoft.com/office/drawing/2014/main" id="{9B454BE5-33E6-CA89-1877-D83E03DA2813}"/>
               </a:ext>
             </a:extLst>
           </p:cNvPr>
@@ -1434,7 +1434,7 @@
           <p:cNvPr id="7" name="灯片编号占位符 6">
             <a:extLst>
               <a:ext uri="{FF2B5EF4-FFF2-40B4-BE49-F238E27FC236}">
-                <a16:creationId xmlns:a16="http://schemas.microsoft.com/office/drawing/2014/main" id="{365DE247-BF6A-1C47-66F9-7CF276B9BD89}"/>
+                <a16:creationId xmlns:a16="http://schemas.microsoft.com/office/drawing/2014/main" id="{86595728-EDFB-B298-89FB-B44E0D26C520}"/>
               </a:ext>
             </a:extLst>
           </p:cNvPr>
@@ -1450,7 +1450,7 @@
           <a:bodyPr/>
           <a:lstStyle/>
           <a:p>
-            <a:fld id="{99953F66-7707-4D6B-A23F-963BF6C5020D}" type="slidenum">
+            <a:fld id="{E5DA9719-99B5-4A0D-A324-37A56230DEAB}" type="slidenum">
               <a:rPr lang="zh-CN" altLang="en-US" smtClean="0"/>
               <a:t>‹#›</a:t>
             </a:fld>
@@ -1461,7 +1461,7 @@
     </p:spTree>
     <p:extLst>
       <p:ext uri="{BB962C8B-B14F-4D97-AF65-F5344CB8AC3E}">
-        <p14:creationId xmlns:p14="http://schemas.microsoft.com/office/powerpoint/2010/main" val="1626651457"/>
+        <p14:creationId xmlns:p14="http://schemas.microsoft.com/office/powerpoint/2010/main" val="114003438"/>
       </p:ext>
     </p:extLst>
   </p:cSld>
@@ -1493,7 +1493,7 @@
           <p:cNvPr id="2" name="标题 1">
             <a:extLst>
               <a:ext uri="{FF2B5EF4-FFF2-40B4-BE49-F238E27FC236}">
-                <a16:creationId xmlns:a16="http://schemas.microsoft.com/office/drawing/2014/main" id="{596D5CF8-F1A3-0EAF-911F-58F23FDF4488}"/>
+                <a16:creationId xmlns:a16="http://schemas.microsoft.com/office/drawing/2014/main" id="{7DC22334-F4E3-45A8-E02A-24BFDC959F5E}"/>
               </a:ext>
             </a:extLst>
           </p:cNvPr>
@@ -1526,7 +1526,7 @@
           <p:cNvPr id="3" name="文本占位符 2">
             <a:extLst>
               <a:ext uri="{FF2B5EF4-FFF2-40B4-BE49-F238E27FC236}">
-                <a16:creationId xmlns:a16="http://schemas.microsoft.com/office/drawing/2014/main" id="{90D6B61B-19DB-1733-8ADC-8191AC2E7344}"/>
+                <a16:creationId xmlns:a16="http://schemas.microsoft.com/office/drawing/2014/main" id="{0F626283-7CE5-2BBF-8A89-573D76EB523C}"/>
               </a:ext>
             </a:extLst>
           </p:cNvPr>
@@ -1597,7 +1597,7 @@
           <p:cNvPr id="4" name="内容占位符 3">
             <a:extLst>
               <a:ext uri="{FF2B5EF4-FFF2-40B4-BE49-F238E27FC236}">
-                <a16:creationId xmlns:a16="http://schemas.microsoft.com/office/drawing/2014/main" id="{69938A41-BDED-DDC3-14D6-07B0B53E5DB2}"/>
+                <a16:creationId xmlns:a16="http://schemas.microsoft.com/office/drawing/2014/main" id="{6C433BAD-67B5-ACFB-A48E-16DDE58ACBFD}"/>
               </a:ext>
             </a:extLst>
           </p:cNvPr>
@@ -1659,7 +1659,7 @@
           <p:cNvPr id="5" name="文本占位符 4">
             <a:extLst>
               <a:ext uri="{FF2B5EF4-FFF2-40B4-BE49-F238E27FC236}">
-                <a16:creationId xmlns:a16="http://schemas.microsoft.com/office/drawing/2014/main" id="{F1960C8B-1071-CF22-204E-D40314275F9D}"/>
+                <a16:creationId xmlns:a16="http://schemas.microsoft.com/office/drawing/2014/main" id="{771A7B85-FC47-D398-D480-CF5506F6E0A9}"/>
               </a:ext>
             </a:extLst>
           </p:cNvPr>
@@ -1730,7 +1730,7 @@
           <p:cNvPr id="6" name="内容占位符 5">
             <a:extLst>
               <a:ext uri="{FF2B5EF4-FFF2-40B4-BE49-F238E27FC236}">
-                <a16:creationId xmlns:a16="http://schemas.microsoft.com/office/drawing/2014/main" id="{054999EE-D160-6DCE-3369-E4D72194E3A2}"/>
+                <a16:creationId xmlns:a16="http://schemas.microsoft.com/office/drawing/2014/main" id="{7F59E7A0-2D38-6E96-E4E6-6B347D9CFA68}"/>
               </a:ext>
             </a:extLst>
           </p:cNvPr>
@@ -1792,7 +1792,7 @@
           <p:cNvPr id="7" name="日期占位符 6">
             <a:extLst>
               <a:ext uri="{FF2B5EF4-FFF2-40B4-BE49-F238E27FC236}">
-                <a16:creationId xmlns:a16="http://schemas.microsoft.com/office/drawing/2014/main" id="{27019E2F-269D-C60A-39ED-F47A863BDF24}"/>
+                <a16:creationId xmlns:a16="http://schemas.microsoft.com/office/drawing/2014/main" id="{8C4F14FC-25F8-4E4B-CAE0-73099B66F0E2}"/>
               </a:ext>
             </a:extLst>
           </p:cNvPr>
@@ -1808,7 +1808,7 @@
           <a:bodyPr/>
           <a:lstStyle/>
           <a:p>
-            <a:fld id="{939C3D72-AAD6-4FA3-8549-ECE709FFF8D9}" type="datetimeFigureOut">
+            <a:fld id="{EAFD470B-3015-43BE-9DD1-0665EA69760E}" type="datetimeFigureOut">
               <a:rPr lang="zh-CN" altLang="en-US" smtClean="0"/>
               <a:t>2024/3/10</a:t>
             </a:fld>
@@ -1821,7 +1821,7 @@
           <p:cNvPr id="8" name="页脚占位符 7">
             <a:extLst>
               <a:ext uri="{FF2B5EF4-FFF2-40B4-BE49-F238E27FC236}">
-                <a16:creationId xmlns:a16="http://schemas.microsoft.com/office/drawing/2014/main" id="{F83762B4-C8B2-8AD2-C365-6C7F9D777C04}"/>
+                <a16:creationId xmlns:a16="http://schemas.microsoft.com/office/drawing/2014/main" id="{10A5BE0C-6560-6E19-CB48-35FC0B0388EC}"/>
               </a:ext>
             </a:extLst>
           </p:cNvPr>
@@ -1846,7 +1846,7 @@
           <p:cNvPr id="9" name="灯片编号占位符 8">
             <a:extLst>
               <a:ext uri="{FF2B5EF4-FFF2-40B4-BE49-F238E27FC236}">
-                <a16:creationId xmlns:a16="http://schemas.microsoft.com/office/drawing/2014/main" id="{F68C1474-6EA4-69F8-EC7B-1C8AA9801728}"/>
+                <a16:creationId xmlns:a16="http://schemas.microsoft.com/office/drawing/2014/main" id="{3D87F7E9-A444-3F2F-8985-A9D8F4755971}"/>
               </a:ext>
             </a:extLst>
           </p:cNvPr>
@@ -1862,7 +1862,7 @@
           <a:bodyPr/>
           <a:lstStyle/>
           <a:p>
-            <a:fld id="{99953F66-7707-4D6B-A23F-963BF6C5020D}" type="slidenum">
+            <a:fld id="{E5DA9719-99B5-4A0D-A324-37A56230DEAB}" type="slidenum">
               <a:rPr lang="zh-CN" altLang="en-US" smtClean="0"/>
               <a:t>‹#›</a:t>
             </a:fld>
@@ -1873,7 +1873,7 @@
     </p:spTree>
     <p:extLst>
       <p:ext uri="{BB962C8B-B14F-4D97-AF65-F5344CB8AC3E}">
-        <p14:creationId xmlns:p14="http://schemas.microsoft.com/office/powerpoint/2010/main" val="3808107789"/>
+        <p14:creationId xmlns:p14="http://schemas.microsoft.com/office/powerpoint/2010/main" val="3383393507"/>
       </p:ext>
     </p:extLst>
   </p:cSld>
@@ -1905,7 +1905,7 @@
           <p:cNvPr id="2" name="标题 1">
             <a:extLst>
               <a:ext uri="{FF2B5EF4-FFF2-40B4-BE49-F238E27FC236}">
-                <a16:creationId xmlns:a16="http://schemas.microsoft.com/office/drawing/2014/main" id="{CA95ACD7-C884-4D42-FAAD-BE7EAC1133AD}"/>
+                <a16:creationId xmlns:a16="http://schemas.microsoft.com/office/drawing/2014/main" id="{26E4F350-29E8-D600-08AA-9CEC1CB32959}"/>
               </a:ext>
             </a:extLst>
           </p:cNvPr>
@@ -1933,7 +1933,7 @@
           <p:cNvPr id="3" name="日期占位符 2">
             <a:extLst>
               <a:ext uri="{FF2B5EF4-FFF2-40B4-BE49-F238E27FC236}">
-                <a16:creationId xmlns:a16="http://schemas.microsoft.com/office/drawing/2014/main" id="{2FA29983-A1C5-77C7-7895-A02383ED87DC}"/>
+                <a16:creationId xmlns:a16="http://schemas.microsoft.com/office/drawing/2014/main" id="{295A4FC3-25E1-67EE-217D-9B28C2CC9FA1}"/>
               </a:ext>
             </a:extLst>
           </p:cNvPr>
@@ -1949,7 +1949,7 @@
           <a:bodyPr/>
           <a:lstStyle/>
           <a:p>
-            <a:fld id="{939C3D72-AAD6-4FA3-8549-ECE709FFF8D9}" type="datetimeFigureOut">
+            <a:fld id="{EAFD470B-3015-43BE-9DD1-0665EA69760E}" type="datetimeFigureOut">
               <a:rPr lang="zh-CN" altLang="en-US" smtClean="0"/>
               <a:t>2024/3/10</a:t>
             </a:fld>
@@ -1962,7 +1962,7 @@
           <p:cNvPr id="4" name="页脚占位符 3">
             <a:extLst>
               <a:ext uri="{FF2B5EF4-FFF2-40B4-BE49-F238E27FC236}">
-                <a16:creationId xmlns:a16="http://schemas.microsoft.com/office/drawing/2014/main" id="{AB024222-A6C9-B44E-A442-1735D70B8429}"/>
+                <a16:creationId xmlns:a16="http://schemas.microsoft.com/office/drawing/2014/main" id="{70BEAEB6-4750-ECCD-AE9A-19930DDCD1FC}"/>
               </a:ext>
             </a:extLst>
           </p:cNvPr>
@@ -1987,7 +1987,7 @@
           <p:cNvPr id="5" name="灯片编号占位符 4">
             <a:extLst>
               <a:ext uri="{FF2B5EF4-FFF2-40B4-BE49-F238E27FC236}">
-                <a16:creationId xmlns:a16="http://schemas.microsoft.com/office/drawing/2014/main" id="{16C49C07-478B-AA6D-5BD6-815E8D9FDC03}"/>
+                <a16:creationId xmlns:a16="http://schemas.microsoft.com/office/drawing/2014/main" id="{8A15B496-35F8-9914-C980-571E8047846C}"/>
               </a:ext>
             </a:extLst>
           </p:cNvPr>
@@ -2003,7 +2003,7 @@
           <a:bodyPr/>
           <a:lstStyle/>
           <a:p>
-            <a:fld id="{99953F66-7707-4D6B-A23F-963BF6C5020D}" type="slidenum">
+            <a:fld id="{E5DA9719-99B5-4A0D-A324-37A56230DEAB}" type="slidenum">
               <a:rPr lang="zh-CN" altLang="en-US" smtClean="0"/>
               <a:t>‹#›</a:t>
             </a:fld>
@@ -2014,7 +2014,7 @@
     </p:spTree>
     <p:extLst>
       <p:ext uri="{BB962C8B-B14F-4D97-AF65-F5344CB8AC3E}">
-        <p14:creationId xmlns:p14="http://schemas.microsoft.com/office/powerpoint/2010/main" val="2737068477"/>
+        <p14:creationId xmlns:p14="http://schemas.microsoft.com/office/powerpoint/2010/main" val="316424695"/>
       </p:ext>
     </p:extLst>
   </p:cSld>
@@ -2046,7 +2046,7 @@
           <p:cNvPr id="2" name="日期占位符 1">
             <a:extLst>
               <a:ext uri="{FF2B5EF4-FFF2-40B4-BE49-F238E27FC236}">
-                <a16:creationId xmlns:a16="http://schemas.microsoft.com/office/drawing/2014/main" id="{0455D03D-5296-BE24-7681-406566617F21}"/>
+                <a16:creationId xmlns:a16="http://schemas.microsoft.com/office/drawing/2014/main" id="{085C46D2-B1C1-A7F1-C20B-7F98F91BA284}"/>
               </a:ext>
             </a:extLst>
           </p:cNvPr>
@@ -2062,7 +2062,7 @@
           <a:bodyPr/>
           <a:lstStyle/>
           <a:p>
-            <a:fld id="{939C3D72-AAD6-4FA3-8549-ECE709FFF8D9}" type="datetimeFigureOut">
+            <a:fld id="{EAFD470B-3015-43BE-9DD1-0665EA69760E}" type="datetimeFigureOut">
               <a:rPr lang="zh-CN" altLang="en-US" smtClean="0"/>
               <a:t>2024/3/10</a:t>
             </a:fld>
@@ -2075,7 +2075,7 @@
           <p:cNvPr id="3" name="页脚占位符 2">
             <a:extLst>
               <a:ext uri="{FF2B5EF4-FFF2-40B4-BE49-F238E27FC236}">
-                <a16:creationId xmlns:a16="http://schemas.microsoft.com/office/drawing/2014/main" id="{F2B78D59-36D0-C7A0-2BEF-B9E9E9AEC2C0}"/>
+                <a16:creationId xmlns:a16="http://schemas.microsoft.com/office/drawing/2014/main" id="{5DFF30C9-4E35-11C4-8483-7EE9EB44AF2E}"/>
               </a:ext>
             </a:extLst>
           </p:cNvPr>
@@ -2100,7 +2100,7 @@
           <p:cNvPr id="4" name="灯片编号占位符 3">
             <a:extLst>
               <a:ext uri="{FF2B5EF4-FFF2-40B4-BE49-F238E27FC236}">
-                <a16:creationId xmlns:a16="http://schemas.microsoft.com/office/drawing/2014/main" id="{9FD6B31E-B8E4-13F5-5069-8DFECACA7C84}"/>
+                <a16:creationId xmlns:a16="http://schemas.microsoft.com/office/drawing/2014/main" id="{5C20BA0E-40C2-EFCF-E0DB-E22831087200}"/>
               </a:ext>
             </a:extLst>
           </p:cNvPr>
@@ -2116,7 +2116,7 @@
           <a:bodyPr/>
           <a:lstStyle/>
           <a:p>
-            <a:fld id="{99953F66-7707-4D6B-A23F-963BF6C5020D}" type="slidenum">
+            <a:fld id="{E5DA9719-99B5-4A0D-A324-37A56230DEAB}" type="slidenum">
               <a:rPr lang="zh-CN" altLang="en-US" smtClean="0"/>
               <a:t>‹#›</a:t>
             </a:fld>
@@ -2127,7 +2127,7 @@
     </p:spTree>
     <p:extLst>
       <p:ext uri="{BB962C8B-B14F-4D97-AF65-F5344CB8AC3E}">
-        <p14:creationId xmlns:p14="http://schemas.microsoft.com/office/powerpoint/2010/main" val="190722929"/>
+        <p14:creationId xmlns:p14="http://schemas.microsoft.com/office/powerpoint/2010/main" val="859372423"/>
       </p:ext>
     </p:extLst>
   </p:cSld>
@@ -2159,7 +2159,7 @@
           <p:cNvPr id="2" name="标题 1">
             <a:extLst>
               <a:ext uri="{FF2B5EF4-FFF2-40B4-BE49-F238E27FC236}">
-                <a16:creationId xmlns:a16="http://schemas.microsoft.com/office/drawing/2014/main" id="{3B8F0FE4-1DAB-FAF3-FACA-CB36A96F40ED}"/>
+                <a16:creationId xmlns:a16="http://schemas.microsoft.com/office/drawing/2014/main" id="{1CAED02E-6620-C10B-7D88-392A48E0360E}"/>
               </a:ext>
             </a:extLst>
           </p:cNvPr>
@@ -2196,7 +2196,7 @@
           <p:cNvPr id="3" name="内容占位符 2">
             <a:extLst>
               <a:ext uri="{FF2B5EF4-FFF2-40B4-BE49-F238E27FC236}">
-                <a16:creationId xmlns:a16="http://schemas.microsoft.com/office/drawing/2014/main" id="{B2976AF0-0360-214A-9B74-6B7B5F425118}"/>
+                <a16:creationId xmlns:a16="http://schemas.microsoft.com/office/drawing/2014/main" id="{5CCB6D0E-44E3-2D3B-92B3-6D66A36EA2D0}"/>
               </a:ext>
             </a:extLst>
           </p:cNvPr>
@@ -2286,7 +2286,7 @@
           <p:cNvPr id="4" name="文本占位符 3">
             <a:extLst>
               <a:ext uri="{FF2B5EF4-FFF2-40B4-BE49-F238E27FC236}">
-                <a16:creationId xmlns:a16="http://schemas.microsoft.com/office/drawing/2014/main" id="{E6EECD82-962B-85BE-2ED6-D01B147E299A}"/>
+                <a16:creationId xmlns:a16="http://schemas.microsoft.com/office/drawing/2014/main" id="{3DE6323B-A8DA-1953-03A0-494E4876B543}"/>
               </a:ext>
             </a:extLst>
           </p:cNvPr>
@@ -2357,7 +2357,7 @@
           <p:cNvPr id="5" name="日期占位符 4">
             <a:extLst>
               <a:ext uri="{FF2B5EF4-FFF2-40B4-BE49-F238E27FC236}">
-                <a16:creationId xmlns:a16="http://schemas.microsoft.com/office/drawing/2014/main" id="{7929111B-A9E3-0621-D6A5-A00CA3CDED7F}"/>
+                <a16:creationId xmlns:a16="http://schemas.microsoft.com/office/drawing/2014/main" id="{20B76249-CA74-A26F-59AE-A0248EF2DC74}"/>
               </a:ext>
             </a:extLst>
           </p:cNvPr>
@@ -2373,7 +2373,7 @@
           <a:bodyPr/>
           <a:lstStyle/>
           <a:p>
-            <a:fld id="{939C3D72-AAD6-4FA3-8549-ECE709FFF8D9}" type="datetimeFigureOut">
+            <a:fld id="{EAFD470B-3015-43BE-9DD1-0665EA69760E}" type="datetimeFigureOut">
               <a:rPr lang="zh-CN" altLang="en-US" smtClean="0"/>
               <a:t>2024/3/10</a:t>
             </a:fld>
@@ -2386,7 +2386,7 @@
           <p:cNvPr id="6" name="页脚占位符 5">
             <a:extLst>
               <a:ext uri="{FF2B5EF4-FFF2-40B4-BE49-F238E27FC236}">
-                <a16:creationId xmlns:a16="http://schemas.microsoft.com/office/drawing/2014/main" id="{5398EBCB-050B-4FA1-453A-FDB882038D45}"/>
+                <a16:creationId xmlns:a16="http://schemas.microsoft.com/office/drawing/2014/main" id="{E382E9E1-B6F1-81D3-B4D4-352FC10827CE}"/>
               </a:ext>
             </a:extLst>
           </p:cNvPr>
@@ -2411,7 +2411,7 @@
           <p:cNvPr id="7" name="灯片编号占位符 6">
             <a:extLst>
               <a:ext uri="{FF2B5EF4-FFF2-40B4-BE49-F238E27FC236}">
-                <a16:creationId xmlns:a16="http://schemas.microsoft.com/office/drawing/2014/main" id="{D64322F8-F2EA-AF2E-1239-8F60B0428780}"/>
+                <a16:creationId xmlns:a16="http://schemas.microsoft.com/office/drawing/2014/main" id="{82BC8DCF-561E-7273-A02B-01379F9322EA}"/>
               </a:ext>
             </a:extLst>
           </p:cNvPr>
@@ -2427,7 +2427,7 @@
           <a:bodyPr/>
           <a:lstStyle/>
           <a:p>
-            <a:fld id="{99953F66-7707-4D6B-A23F-963BF6C5020D}" type="slidenum">
+            <a:fld id="{E5DA9719-99B5-4A0D-A324-37A56230DEAB}" type="slidenum">
               <a:rPr lang="zh-CN" altLang="en-US" smtClean="0"/>
               <a:t>‹#›</a:t>
             </a:fld>
@@ -2438,7 +2438,7 @@
     </p:spTree>
     <p:extLst>
       <p:ext uri="{BB962C8B-B14F-4D97-AF65-F5344CB8AC3E}">
-        <p14:creationId xmlns:p14="http://schemas.microsoft.com/office/powerpoint/2010/main" val="989543474"/>
+        <p14:creationId xmlns:p14="http://schemas.microsoft.com/office/powerpoint/2010/main" val="3818884797"/>
       </p:ext>
     </p:extLst>
   </p:cSld>
@@ -2470,7 +2470,7 @@
           <p:cNvPr id="2" name="标题 1">
             <a:extLst>
               <a:ext uri="{FF2B5EF4-FFF2-40B4-BE49-F238E27FC236}">
-                <a16:creationId xmlns:a16="http://schemas.microsoft.com/office/drawing/2014/main" id="{ED9ECF0F-442A-0EA7-4C89-FE69DB90A3C3}"/>
+                <a16:creationId xmlns:a16="http://schemas.microsoft.com/office/drawing/2014/main" id="{188C7D4D-1A21-C662-B1F7-2F700C86AD9A}"/>
               </a:ext>
             </a:extLst>
           </p:cNvPr>
@@ -2507,7 +2507,7 @@
           <p:cNvPr id="3" name="图片占位符 2">
             <a:extLst>
               <a:ext uri="{FF2B5EF4-FFF2-40B4-BE49-F238E27FC236}">
-                <a16:creationId xmlns:a16="http://schemas.microsoft.com/office/drawing/2014/main" id="{472708AC-0C05-3954-DE1D-5E37D2783BEA}"/>
+                <a16:creationId xmlns:a16="http://schemas.microsoft.com/office/drawing/2014/main" id="{3D3B8A07-BE1E-D61D-1355-3A7EC504F47C}"/>
               </a:ext>
             </a:extLst>
           </p:cNvPr>
@@ -2574,7 +2574,7 @@
           <p:cNvPr id="4" name="文本占位符 3">
             <a:extLst>
               <a:ext uri="{FF2B5EF4-FFF2-40B4-BE49-F238E27FC236}">
-                <a16:creationId xmlns:a16="http://schemas.microsoft.com/office/drawing/2014/main" id="{AB424454-7669-BEB0-ADD6-56F7525318B6}"/>
+                <a16:creationId xmlns:a16="http://schemas.microsoft.com/office/drawing/2014/main" id="{93D25F27-68AF-539D-4DFE-CB1B5F17FF4C}"/>
               </a:ext>
             </a:extLst>
           </p:cNvPr>
@@ -2645,7 +2645,7 @@
           <p:cNvPr id="5" name="日期占位符 4">
             <a:extLst>
               <a:ext uri="{FF2B5EF4-FFF2-40B4-BE49-F238E27FC236}">
-                <a16:creationId xmlns:a16="http://schemas.microsoft.com/office/drawing/2014/main" id="{6B1A35E9-1304-4F7A-2121-5AFFB28FC6FB}"/>
+                <a16:creationId xmlns:a16="http://schemas.microsoft.com/office/drawing/2014/main" id="{0132B5A0-6D4D-B5EE-75E3-A3ED4E916D15}"/>
               </a:ext>
             </a:extLst>
           </p:cNvPr>
@@ -2661,7 +2661,7 @@
           <a:bodyPr/>
           <a:lstStyle/>
           <a:p>
-            <a:fld id="{939C3D72-AAD6-4FA3-8549-ECE709FFF8D9}" type="datetimeFigureOut">
+            <a:fld id="{EAFD470B-3015-43BE-9DD1-0665EA69760E}" type="datetimeFigureOut">
               <a:rPr lang="zh-CN" altLang="en-US" smtClean="0"/>
               <a:t>2024/3/10</a:t>
             </a:fld>
@@ -2674,7 +2674,7 @@
           <p:cNvPr id="6" name="页脚占位符 5">
             <a:extLst>
               <a:ext uri="{FF2B5EF4-FFF2-40B4-BE49-F238E27FC236}">
-                <a16:creationId xmlns:a16="http://schemas.microsoft.com/office/drawing/2014/main" id="{FFB490B7-6EBF-9E81-0664-0F8055EB599C}"/>
+                <a16:creationId xmlns:a16="http://schemas.microsoft.com/office/drawing/2014/main" id="{BD956F4A-489D-D096-01DB-01B89C737C7A}"/>
               </a:ext>
             </a:extLst>
           </p:cNvPr>
@@ -2699,7 +2699,7 @@
           <p:cNvPr id="7" name="灯片编号占位符 6">
             <a:extLst>
               <a:ext uri="{FF2B5EF4-FFF2-40B4-BE49-F238E27FC236}">
-                <a16:creationId xmlns:a16="http://schemas.microsoft.com/office/drawing/2014/main" id="{0A517D75-F630-DAAF-2230-0519699B3EF2}"/>
+                <a16:creationId xmlns:a16="http://schemas.microsoft.com/office/drawing/2014/main" id="{5336B5FF-FDC4-C6E6-7616-F99CC6E0D8FA}"/>
               </a:ext>
             </a:extLst>
           </p:cNvPr>
@@ -2715,7 +2715,7 @@
           <a:bodyPr/>
           <a:lstStyle/>
           <a:p>
-            <a:fld id="{99953F66-7707-4D6B-A23F-963BF6C5020D}" type="slidenum">
+            <a:fld id="{E5DA9719-99B5-4A0D-A324-37A56230DEAB}" type="slidenum">
               <a:rPr lang="zh-CN" altLang="en-US" smtClean="0"/>
               <a:t>‹#›</a:t>
             </a:fld>
@@ -2726,7 +2726,7 @@
     </p:spTree>
     <p:extLst>
       <p:ext uri="{BB962C8B-B14F-4D97-AF65-F5344CB8AC3E}">
-        <p14:creationId xmlns:p14="http://schemas.microsoft.com/office/powerpoint/2010/main" val="2250396647"/>
+        <p14:creationId xmlns:p14="http://schemas.microsoft.com/office/powerpoint/2010/main" val="3286427129"/>
       </p:ext>
     </p:extLst>
   </p:cSld>
@@ -2763,7 +2763,7 @@
           <p:cNvPr id="2" name="标题占位符 1">
             <a:extLst>
               <a:ext uri="{FF2B5EF4-FFF2-40B4-BE49-F238E27FC236}">
-                <a16:creationId xmlns:a16="http://schemas.microsoft.com/office/drawing/2014/main" id="{A209EB79-1B07-9231-A84F-8354375183EF}"/>
+                <a16:creationId xmlns:a16="http://schemas.microsoft.com/office/drawing/2014/main" id="{9F1EBCBA-1F0F-3AD5-6B3C-E170049BCBD3}"/>
               </a:ext>
             </a:extLst>
           </p:cNvPr>
@@ -2801,7 +2801,7 @@
           <p:cNvPr id="3" name="文本占位符 2">
             <a:extLst>
               <a:ext uri="{FF2B5EF4-FFF2-40B4-BE49-F238E27FC236}">
-                <a16:creationId xmlns:a16="http://schemas.microsoft.com/office/drawing/2014/main" id="{3D3243EB-6768-CD9B-9EDE-B27BD36D5926}"/>
+                <a16:creationId xmlns:a16="http://schemas.microsoft.com/office/drawing/2014/main" id="{A5B9D808-8D48-D4B3-50E3-D17F17D123BA}"/>
               </a:ext>
             </a:extLst>
           </p:cNvPr>
@@ -2868,7 +2868,7 @@
           <p:cNvPr id="4" name="日期占位符 3">
             <a:extLst>
               <a:ext uri="{FF2B5EF4-FFF2-40B4-BE49-F238E27FC236}">
-                <a16:creationId xmlns:a16="http://schemas.microsoft.com/office/drawing/2014/main" id="{EDC48D56-8AAD-47D5-3200-C8B99F4DF29E}"/>
+                <a16:creationId xmlns:a16="http://schemas.microsoft.com/office/drawing/2014/main" id="{66B4B6BE-F5E0-A06E-9B7D-8FAF75A15FDE}"/>
               </a:ext>
             </a:extLst>
           </p:cNvPr>
@@ -2902,7 +2902,7 @@
             </a:lvl1pPr>
           </a:lstStyle>
           <a:p>
-            <a:fld id="{939C3D72-AAD6-4FA3-8549-ECE709FFF8D9}" type="datetimeFigureOut">
+            <a:fld id="{EAFD470B-3015-43BE-9DD1-0665EA69760E}" type="datetimeFigureOut">
               <a:rPr lang="zh-CN" altLang="en-US" smtClean="0"/>
               <a:t>2024/3/10</a:t>
             </a:fld>
@@ -2915,7 +2915,7 @@
           <p:cNvPr id="5" name="页脚占位符 4">
             <a:extLst>
               <a:ext uri="{FF2B5EF4-FFF2-40B4-BE49-F238E27FC236}">
-                <a16:creationId xmlns:a16="http://schemas.microsoft.com/office/drawing/2014/main" id="{EEEC35AF-E314-1655-E697-F5C502DC0964}"/>
+                <a16:creationId xmlns:a16="http://schemas.microsoft.com/office/drawing/2014/main" id="{A52ADB6B-03A8-41A7-8F3D-F72FC8A820EA}"/>
               </a:ext>
             </a:extLst>
           </p:cNvPr>
@@ -2958,7 +2958,7 @@
           <p:cNvPr id="6" name="灯片编号占位符 5">
             <a:extLst>
               <a:ext uri="{FF2B5EF4-FFF2-40B4-BE49-F238E27FC236}">
-                <a16:creationId xmlns:a16="http://schemas.microsoft.com/office/drawing/2014/main" id="{02EA8FC9-CE8D-C0C0-DBC0-6550E32B2B4A}"/>
+                <a16:creationId xmlns:a16="http://schemas.microsoft.com/office/drawing/2014/main" id="{B210F11D-D5A4-5B47-EDC5-056148C8BD1C}"/>
               </a:ext>
             </a:extLst>
           </p:cNvPr>
@@ -2992,7 +2992,7 @@
             </a:lvl1pPr>
           </a:lstStyle>
           <a:p>
-            <a:fld id="{99953F66-7707-4D6B-A23F-963BF6C5020D}" type="slidenum">
+            <a:fld id="{E5DA9719-99B5-4A0D-A324-37A56230DEAB}" type="slidenum">
               <a:rPr lang="zh-CN" altLang="en-US" smtClean="0"/>
               <a:t>‹#›</a:t>
             </a:fld>
@@ -3003,7 +3003,7 @@
     </p:spTree>
     <p:extLst>
       <p:ext uri="{BB962C8B-B14F-4D97-AF65-F5344CB8AC3E}">
-        <p14:creationId xmlns:p14="http://schemas.microsoft.com/office/powerpoint/2010/main" val="3728391541"/>
+        <p14:creationId xmlns:p14="http://schemas.microsoft.com/office/powerpoint/2010/main" val="3692044684"/>
       </p:ext>
     </p:extLst>
   </p:cSld>
@@ -3323,7 +3323,7 @@
       </p:grpSpPr>
       <p:pic>
         <p:nvPicPr>
-          <p:cNvPr id="479234" name="Picture 2" descr="467"/>
+          <p:cNvPr id="480258" name="Picture 2" descr="468"/>
           <p:cNvPicPr>
             <a:picLocks noChangeAspect="1" noChangeArrowheads="1"/>
           </p:cNvPicPr>
@@ -3344,8 +3344,8 @@
         </p:blipFill>
         <p:spPr bwMode="auto">
           <a:xfrm>
-            <a:off x="1524000" y="1"/>
-            <a:ext cx="9144000" cy="6308725"/>
+            <a:off x="1524000" y="0"/>
+            <a:ext cx="9144000" cy="6858000"/>
           </a:xfrm>
           <a:prstGeom prst="rect">
             <a:avLst/>
@@ -3375,158 +3375,11 @@
           </a:extLst>
         </p:spPr>
       </p:pic>
-      <p:pic>
-        <p:nvPicPr>
-          <p:cNvPr id="480259" name="Picture 3" descr="467-2"/>
-          <p:cNvPicPr>
-            <a:picLocks noChangeAspect="1" noChangeArrowheads="1"/>
-          </p:cNvPicPr>
-          <p:nvPr/>
-        </p:nvPicPr>
-        <p:blipFill>
-          <a:blip r:embed="rId3">
-            <a:extLst>
-              <a:ext uri="{28A0092B-C50C-407E-A947-70E740481C1C}">
-                <a14:useLocalDpi xmlns:a14="http://schemas.microsoft.com/office/drawing/2010/main" val="0"/>
-              </a:ext>
-            </a:extLst>
-          </a:blip>
-          <a:srcRect/>
-          <a:stretch>
-            <a:fillRect/>
-          </a:stretch>
-        </p:blipFill>
-        <p:spPr bwMode="auto">
-          <a:xfrm>
-            <a:off x="1524000" y="0"/>
-            <a:ext cx="9144000" cy="6381750"/>
-          </a:xfrm>
-          <a:prstGeom prst="rect">
-            <a:avLst/>
-          </a:prstGeom>
-          <a:noFill/>
-          <a:ln>
-            <a:noFill/>
-          </a:ln>
-          <a:effectLst/>
-          <a:extLst>
-            <a:ext uri="{909E8E84-426E-40DD-AFC4-6F175D3DCCD1}">
-              <a14:hiddenFill xmlns:a14="http://schemas.microsoft.com/office/drawing/2010/main">
-                <a:solidFill>
-                  <a:srgbClr val="FFFFFF"/>
-                </a:solidFill>
-              </a14:hiddenFill>
-            </a:ext>
-            <a:ext uri="{91240B29-F687-4F45-9708-019B960494DF}">
-              <a14:hiddenLine xmlns:a14="http://schemas.microsoft.com/office/drawing/2010/main" w="9525">
-                <a:solidFill>
-                  <a:srgbClr val="000000"/>
-                </a:solidFill>
-                <a:miter lim="800000"/>
-                <a:headEnd/>
-                <a:tailEnd/>
-              </a14:hiddenLine>
-            </a:ext>
-            <a:ext uri="{AF507438-7753-43E0-B8FC-AC1667EBCBE1}">
-              <a14:hiddenEffects xmlns:a14="http://schemas.microsoft.com/office/drawing/2010/main">
-                <a:effectLst>
-                  <a:outerShdw dist="35921" dir="2700000" algn="ctr" rotWithShape="0">
-                    <a:srgbClr val="808080"/>
-                  </a:outerShdw>
-                </a:effectLst>
-              </a14:hiddenEffects>
-            </a:ext>
-          </a:extLst>
-        </p:spPr>
-      </p:pic>
     </p:spTree>
   </p:cSld>
   <p:clrMapOvr>
     <a:masterClrMapping/>
   </p:clrMapOvr>
-  <p:timing>
-    <p:tnLst>
-      <p:par>
-        <p:cTn id="1" dur="indefinite" restart="never" nodeType="tmRoot">
-          <p:childTnLst>
-            <p:seq concurrent="1" nextAc="seek">
-              <p:cTn id="2" dur="indefinite" nodeType="mainSeq">
-                <p:childTnLst>
-                  <p:par>
-                    <p:cTn id="3" fill="hold" nodeType="clickPar">
-                      <p:stCondLst>
-                        <p:cond delay="indefinite"/>
-                      </p:stCondLst>
-                      <p:childTnLst>
-                        <p:par>
-                          <p:cTn id="4" fill="hold" nodeType="withGroup">
-                            <p:stCondLst>
-                              <p:cond delay="0"/>
-                            </p:stCondLst>
-                            <p:childTnLst>
-                              <p:par>
-                                <p:cTn id="5" presetID="10" presetClass="entr" presetSubtype="0" fill="hold" nodeType="clickEffect">
-                                  <p:stCondLst>
-                                    <p:cond delay="0"/>
-                                  </p:stCondLst>
-                                  <p:childTnLst>
-                                    <p:set>
-                                      <p:cBhvr>
-                                        <p:cTn id="6" dur="1" fill="hold">
-                                          <p:stCondLst>
-                                            <p:cond delay="0"/>
-                                          </p:stCondLst>
-                                        </p:cTn>
-                                        <p:tgtEl>
-                                          <p:spTgt spid="480259"/>
-                                        </p:tgtEl>
-                                        <p:attrNameLst>
-                                          <p:attrName>style.visibility</p:attrName>
-                                        </p:attrNameLst>
-                                      </p:cBhvr>
-                                      <p:to>
-                                        <p:strVal val="visible"/>
-                                      </p:to>
-                                    </p:set>
-                                    <p:animEffect transition="in" filter="fade">
-                                      <p:cBhvr>
-                                        <p:cTn id="7" dur="500"/>
-                                        <p:tgtEl>
-                                          <p:spTgt spid="480259"/>
-                                        </p:tgtEl>
-                                      </p:cBhvr>
-                                    </p:animEffect>
-                                  </p:childTnLst>
-                                </p:cTn>
-                              </p:par>
-                            </p:childTnLst>
-                          </p:cTn>
-                        </p:par>
-                      </p:childTnLst>
-                    </p:cTn>
-                  </p:par>
-                </p:childTnLst>
-              </p:cTn>
-              <p:prevCondLst>
-                <p:cond evt="onPrev" delay="0">
-                  <p:tgtEl>
-                    <p:sldTgt/>
-                  </p:tgtEl>
-                </p:cond>
-              </p:prevCondLst>
-              <p:nextCondLst>
-                <p:cond evt="onNext" delay="0">
-                  <p:tgtEl>
-                    <p:sldTgt/>
-                  </p:tgtEl>
-                </p:cond>
-              </p:nextCondLst>
-            </p:seq>
-          </p:childTnLst>
-        </p:cTn>
-      </p:par>
-    </p:tnLst>
-  </p:timing>
 </p:sld>
 </file>
 
